--- a/presentation/SparkING.pptx
+++ b/presentation/SparkING.pptx
@@ -9,7 +9,9 @@
     <p:sldId id="258" r:id="rId3"/>
     <p:sldId id="259" r:id="rId4"/>
     <p:sldId id="260" r:id="rId5"/>
-    <p:sldId id="257" r:id="rId6"/>
+    <p:sldId id="262" r:id="rId6"/>
+    <p:sldId id="261" r:id="rId7"/>
+    <p:sldId id="257" r:id="rId8"/>
   </p:sldIdLst>
   <p:sldSz cx="12192000" cy="6858000"/>
   <p:notesSz cx="6858000" cy="9144000"/>
@@ -2980,12 +2982,99 @@
         </p:nvSpPr>
         <p:spPr/>
         <p:txBody>
-          <a:bodyPr/>
-          <a:lstStyle/>
-          <a:p>
-            <a:r>
-              <a:rPr lang="nl-NL" dirty="0" err="1"/>
-              <a:t>SparkING</a:t>
+          <a:bodyPr>
+            <a:normAutofit fontScale="90000"/>
+          </a:bodyPr>
+          <a:lstStyle/>
+          <a:p>
+            <a:r>
+              <a:rPr lang="nl-NL" sz="19900" b="1" dirty="0" err="1"/>
+              <a:t>Spark</a:t>
+            </a:r>
+            <a:r>
+              <a:rPr lang="nl-NL" sz="19900" b="1" dirty="0" err="1">
+                <a:solidFill>
+                  <a:schemeClr val="accent2">
+                    <a:lumMod val="75000"/>
+                  </a:schemeClr>
+                </a:solidFill>
+              </a:rPr>
+              <a:t>ING</a:t>
+            </a:r>
+            <a:endParaRPr lang="nl-NL" b="1" dirty="0">
+              <a:solidFill>
+                <a:schemeClr val="accent2">
+                  <a:lumMod val="75000"/>
+                </a:schemeClr>
+              </a:solidFill>
+            </a:endParaRPr>
+          </a:p>
+        </p:txBody>
+      </p:sp>
+      <p:sp>
+        <p:nvSpPr>
+          <p:cNvPr id="3" name="Subtitle 2"/>
+          <p:cNvSpPr>
+            <a:spLocks noGrp="1"/>
+          </p:cNvSpPr>
+          <p:nvPr>
+            <p:ph type="subTitle" idx="1"/>
+          </p:nvPr>
+        </p:nvSpPr>
+        <p:spPr/>
+        <p:txBody>
+          <a:bodyPr>
+            <a:normAutofit/>
+          </a:bodyPr>
+          <a:lstStyle/>
+          <a:p>
+            <a:r>
+              <a:rPr lang="nl-NL" dirty="0"/>
+              <a:t>Making </a:t>
+            </a:r>
+            <a:r>
+              <a:rPr lang="nl-NL" dirty="0" err="1"/>
+              <a:t>all</a:t>
+            </a:r>
+            <a:r>
+              <a:rPr lang="nl-NL" dirty="0"/>
+              <a:t> </a:t>
+            </a:r>
+            <a:r>
+              <a:rPr lang="nl-NL" dirty="0" err="1"/>
+              <a:t>communication</a:t>
+            </a:r>
+            <a:r>
+              <a:rPr lang="nl-NL" dirty="0"/>
+              <a:t> </a:t>
+            </a:r>
+            <a:r>
+              <a:rPr lang="nl-NL" dirty="0" err="1"/>
+              <a:t>with</a:t>
+            </a:r>
+            <a:r>
+              <a:rPr lang="nl-NL" dirty="0"/>
+              <a:t> </a:t>
+            </a:r>
+            <a:r>
+              <a:rPr lang="nl-NL" dirty="0" err="1"/>
+              <a:t>customers</a:t>
+            </a:r>
+            <a:r>
+              <a:rPr lang="nl-NL" dirty="0"/>
+              <a:t> personal, relevant </a:t>
+            </a:r>
+            <a:r>
+              <a:rPr lang="nl-NL" dirty="0" err="1"/>
+              <a:t>and</a:t>
+            </a:r>
+            <a:r>
+              <a:rPr lang="nl-NL" dirty="0"/>
+              <a:t> </a:t>
+            </a:r>
+            <a:r>
+              <a:rPr lang="nl-NL" dirty="0" err="1"/>
+              <a:t>fast</a:t>
             </a:r>
             <a:endParaRPr lang="nl-NL" dirty="0"/>
           </a:p>
@@ -2993,20 +3082,78 @@
       </p:sp>
       <p:sp>
         <p:nvSpPr>
-          <p:cNvPr id="3" name="Subtitle 2"/>
-          <p:cNvSpPr>
-            <a:spLocks noGrp="1"/>
-          </p:cNvSpPr>
-          <p:nvPr>
-            <p:ph type="subTitle" idx="1"/>
-          </p:nvPr>
-        </p:nvSpPr>
-        <p:spPr/>
-        <p:txBody>
-          <a:bodyPr/>
-          <a:lstStyle/>
-          <a:p>
-            <a:endParaRPr lang="nl-NL"/>
+          <p:cNvPr id="4" name="TextBox 3"/>
+          <p:cNvSpPr txBox="1"/>
+          <p:nvPr/>
+        </p:nvSpPr>
+        <p:spPr>
+          <a:xfrm>
+            <a:off x="5249518" y="4380637"/>
+            <a:ext cx="1692964" cy="1754326"/>
+          </a:xfrm>
+          <a:prstGeom prst="rect">
+            <a:avLst/>
+          </a:prstGeom>
+          <a:noFill/>
+        </p:spPr>
+        <p:txBody>
+          <a:bodyPr wrap="none" rtlCol="0">
+            <a:spAutoFit/>
+          </a:bodyPr>
+          <a:lstStyle/>
+          <a:p>
+            <a:r>
+              <a:rPr lang="nl-NL" dirty="0"/>
+              <a:t>Bas Geerdink</a:t>
+            </a:r>
+          </a:p>
+          <a:p>
+            <a:r>
+              <a:rPr lang="nl-NL" dirty="0"/>
+              <a:t>Ger van Rossum</a:t>
+            </a:r>
+          </a:p>
+          <a:p>
+            <a:r>
+              <a:rPr lang="nl-NL" dirty="0" err="1"/>
+              <a:t>Hoda</a:t>
+            </a:r>
+            <a:r>
+              <a:rPr lang="nl-NL" dirty="0"/>
+              <a:t> </a:t>
+            </a:r>
+            <a:r>
+              <a:rPr lang="nl-NL" dirty="0" err="1"/>
+              <a:t>Alemi</a:t>
+            </a:r>
+            <a:endParaRPr lang="nl-NL" dirty="0"/>
+          </a:p>
+          <a:p>
+            <a:r>
+              <a:rPr lang="nl-NL" dirty="0"/>
+              <a:t>Jaap de Koning</a:t>
+            </a:r>
+          </a:p>
+          <a:p>
+            <a:r>
+              <a:rPr lang="nl-NL" dirty="0" err="1"/>
+              <a:t>Khaled</a:t>
+            </a:r>
+            <a:r>
+              <a:rPr lang="nl-NL" dirty="0"/>
+              <a:t> </a:t>
+            </a:r>
+            <a:r>
+              <a:rPr lang="nl-NL" dirty="0" err="1"/>
+              <a:t>Tokhi</a:t>
+            </a:r>
+            <a:endParaRPr lang="nl-NL" dirty="0"/>
+          </a:p>
+          <a:p>
+            <a:r>
+              <a:rPr lang="nl-NL" dirty="0"/>
+              <a:t>Niek van de Pas</a:t>
+            </a:r>
           </a:p>
         </p:txBody>
       </p:sp>
@@ -3165,7 +3312,7 @@
             </a:r>
             <a:r>
               <a:rPr lang="nl-NL" dirty="0"/>
-              <a:t> is 1500</a:t>
+              <a:t> is 300</a:t>
             </a:r>
           </a:p>
           <a:p>
@@ -3421,7 +3568,9 @@
         </p:nvSpPr>
         <p:spPr/>
         <p:txBody>
-          <a:bodyPr/>
+          <a:bodyPr>
+            <a:normAutofit lnSpcReduction="10000"/>
+          </a:bodyPr>
           <a:lstStyle/>
           <a:p>
             <a:r>
@@ -3487,6 +3636,386 @@
             <a:r>
               <a:rPr lang="nl-NL" dirty="0"/>
               <a:t> shopping</a:t>
+            </a:r>
+          </a:p>
+          <a:p>
+            <a:r>
+              <a:rPr lang="nl-NL" dirty="0" err="1"/>
+              <a:t>She</a:t>
+            </a:r>
+            <a:r>
+              <a:rPr lang="nl-NL" dirty="0"/>
+              <a:t> </a:t>
+            </a:r>
+            <a:r>
+              <a:rPr lang="nl-NL" dirty="0" err="1"/>
+              <a:t>buys</a:t>
+            </a:r>
+            <a:r>
+              <a:rPr lang="nl-NL" dirty="0"/>
+              <a:t> </a:t>
+            </a:r>
+            <a:r>
+              <a:rPr lang="nl-NL" dirty="0" err="1"/>
+              <a:t>some</a:t>
+            </a:r>
+            <a:r>
+              <a:rPr lang="nl-NL" dirty="0"/>
+              <a:t> </a:t>
+            </a:r>
+            <a:r>
+              <a:rPr lang="nl-NL" dirty="0" err="1"/>
+              <a:t>groceries</a:t>
+            </a:r>
+            <a:r>
+              <a:rPr lang="nl-NL" dirty="0"/>
+              <a:t> </a:t>
+            </a:r>
+            <a:r>
+              <a:rPr lang="nl-NL" dirty="0" err="1"/>
+              <a:t>and</a:t>
+            </a:r>
+            <a:r>
+              <a:rPr lang="nl-NL" dirty="0"/>
+              <a:t> </a:t>
+            </a:r>
+            <a:r>
+              <a:rPr lang="nl-NL" dirty="0" err="1"/>
+              <a:t>household</a:t>
+            </a:r>
+            <a:r>
+              <a:rPr lang="nl-NL" dirty="0"/>
+              <a:t> equipment, </a:t>
+            </a:r>
+            <a:r>
+              <a:rPr lang="nl-NL" dirty="0" err="1"/>
+              <a:t>for</a:t>
+            </a:r>
+            <a:r>
+              <a:rPr lang="nl-NL" dirty="0"/>
+              <a:t> 62 </a:t>
+            </a:r>
+            <a:r>
+              <a:rPr lang="nl-NL" dirty="0" err="1"/>
+              <a:t>euros</a:t>
+            </a:r>
+            <a:endParaRPr lang="nl-NL" dirty="0"/>
+          </a:p>
+          <a:p>
+            <a:r>
+              <a:rPr lang="nl-NL" dirty="0" err="1"/>
+              <a:t>She</a:t>
+            </a:r>
+            <a:r>
+              <a:rPr lang="nl-NL" dirty="0"/>
+              <a:t> </a:t>
+            </a:r>
+            <a:r>
+              <a:rPr lang="nl-NL" dirty="0" err="1"/>
+              <a:t>also</a:t>
+            </a:r>
+            <a:r>
+              <a:rPr lang="nl-NL" dirty="0"/>
+              <a:t> </a:t>
+            </a:r>
+            <a:r>
+              <a:rPr lang="nl-NL" dirty="0" err="1"/>
+              <a:t>buys</a:t>
+            </a:r>
+            <a:r>
+              <a:rPr lang="nl-NL" dirty="0"/>
+              <a:t> a </a:t>
+            </a:r>
+            <a:r>
+              <a:rPr lang="nl-NL" dirty="0" err="1"/>
+              <a:t>nice</a:t>
+            </a:r>
+            <a:r>
+              <a:rPr lang="nl-NL" dirty="0"/>
+              <a:t> pair of jeans </a:t>
+            </a:r>
+            <a:r>
+              <a:rPr lang="nl-NL" dirty="0" err="1"/>
+              <a:t>for</a:t>
+            </a:r>
+            <a:r>
+              <a:rPr lang="nl-NL" dirty="0"/>
+              <a:t> 95 </a:t>
+            </a:r>
+            <a:r>
+              <a:rPr lang="nl-NL" dirty="0" err="1"/>
+              <a:t>euros</a:t>
+            </a:r>
+            <a:endParaRPr lang="nl-NL" dirty="0"/>
+          </a:p>
+          <a:p>
+            <a:r>
+              <a:rPr lang="nl-NL" dirty="0"/>
+              <a:t>Marie </a:t>
+            </a:r>
+            <a:r>
+              <a:rPr lang="nl-NL" dirty="0" err="1"/>
+              <a:t>then</a:t>
+            </a:r>
+            <a:r>
+              <a:rPr lang="nl-NL" dirty="0"/>
+              <a:t> </a:t>
+            </a:r>
+            <a:r>
+              <a:rPr lang="nl-NL" dirty="0" err="1"/>
+              <a:t>sees</a:t>
+            </a:r>
+            <a:r>
+              <a:rPr lang="nl-NL" dirty="0"/>
+              <a:t> </a:t>
+            </a:r>
+            <a:r>
+              <a:rPr lang="nl-NL" dirty="0" err="1"/>
+              <a:t>the</a:t>
+            </a:r>
+            <a:r>
+              <a:rPr lang="nl-NL" dirty="0"/>
+              <a:t> </a:t>
+            </a:r>
+            <a:r>
+              <a:rPr lang="nl-NL" dirty="0" err="1"/>
+              <a:t>latest</a:t>
+            </a:r>
+            <a:r>
+              <a:rPr lang="nl-NL" dirty="0"/>
+              <a:t> model iPhone, </a:t>
+            </a:r>
+            <a:r>
+              <a:rPr lang="nl-NL" dirty="0" err="1"/>
+              <a:t>she</a:t>
+            </a:r>
+            <a:r>
+              <a:rPr lang="nl-NL" dirty="0"/>
+              <a:t> wants </a:t>
+            </a:r>
+            <a:r>
+              <a:rPr lang="nl-NL" dirty="0" err="1"/>
+              <a:t>it</a:t>
+            </a:r>
+            <a:r>
+              <a:rPr lang="nl-NL" dirty="0"/>
+              <a:t>!</a:t>
+            </a:r>
+          </a:p>
+          <a:p>
+            <a:r>
+              <a:rPr lang="nl-NL" dirty="0" err="1"/>
+              <a:t>Sensible</a:t>
+            </a:r>
+            <a:r>
+              <a:rPr lang="nl-NL" dirty="0"/>
+              <a:t> as </a:t>
+            </a:r>
+            <a:r>
+              <a:rPr lang="nl-NL" dirty="0" err="1"/>
+              <a:t>she</a:t>
+            </a:r>
+            <a:r>
+              <a:rPr lang="nl-NL" dirty="0"/>
+              <a:t> is, Marie </a:t>
+            </a:r>
+            <a:r>
+              <a:rPr lang="nl-NL" dirty="0" err="1"/>
+              <a:t>opens</a:t>
+            </a:r>
+            <a:r>
+              <a:rPr lang="nl-NL" dirty="0"/>
+              <a:t> her mobile ING app, </a:t>
+            </a:r>
+            <a:r>
+              <a:rPr lang="nl-NL" dirty="0" err="1"/>
+              <a:t>there</a:t>
+            </a:r>
+            <a:r>
+              <a:rPr lang="nl-NL" dirty="0"/>
+              <a:t> </a:t>
+            </a:r>
+            <a:r>
+              <a:rPr lang="nl-NL" dirty="0" err="1"/>
+              <a:t>she</a:t>
+            </a:r>
+            <a:r>
+              <a:rPr lang="nl-NL" dirty="0"/>
+              <a:t> </a:t>
+            </a:r>
+            <a:r>
+              <a:rPr lang="nl-NL" dirty="0" err="1"/>
+              <a:t>immediately</a:t>
+            </a:r>
+            <a:r>
+              <a:rPr lang="nl-NL" dirty="0"/>
+              <a:t> </a:t>
+            </a:r>
+            <a:r>
+              <a:rPr lang="nl-NL" dirty="0" err="1"/>
+              <a:t>sees</a:t>
+            </a:r>
+            <a:r>
+              <a:rPr lang="nl-NL" dirty="0"/>
+              <a:t> </a:t>
+            </a:r>
+            <a:r>
+              <a:rPr lang="nl-NL" dirty="0" err="1"/>
+              <a:t>the</a:t>
+            </a:r>
+            <a:r>
+              <a:rPr lang="nl-NL" dirty="0"/>
+              <a:t> effect </a:t>
+            </a:r>
+            <a:r>
+              <a:rPr lang="nl-NL" dirty="0" err="1"/>
+              <a:t>that</a:t>
+            </a:r>
+            <a:r>
+              <a:rPr lang="nl-NL" dirty="0"/>
+              <a:t> </a:t>
+            </a:r>
+            <a:r>
+              <a:rPr lang="nl-NL" dirty="0" err="1"/>
+              <a:t>such</a:t>
+            </a:r>
+            <a:r>
+              <a:rPr lang="nl-NL" dirty="0"/>
+              <a:t> a large </a:t>
+            </a:r>
+            <a:r>
+              <a:rPr lang="nl-NL" dirty="0" err="1"/>
+              <a:t>purchase</a:t>
+            </a:r>
+            <a:r>
+              <a:rPr lang="nl-NL" dirty="0"/>
+              <a:t> </a:t>
+            </a:r>
+            <a:r>
+              <a:rPr lang="nl-NL" dirty="0" err="1"/>
+              <a:t>would</a:t>
+            </a:r>
+            <a:r>
+              <a:rPr lang="nl-NL" dirty="0"/>
+              <a:t> have: </a:t>
+            </a:r>
+            <a:r>
+              <a:rPr lang="nl-NL" dirty="0" err="1"/>
+              <a:t>she</a:t>
+            </a:r>
+            <a:r>
+              <a:rPr lang="nl-NL" dirty="0"/>
+              <a:t> </a:t>
+            </a:r>
+            <a:r>
+              <a:rPr lang="nl-NL" dirty="0" err="1"/>
+              <a:t>will</a:t>
+            </a:r>
+            <a:r>
+              <a:rPr lang="nl-NL" dirty="0"/>
+              <a:t> have a </a:t>
+            </a:r>
+            <a:r>
+              <a:rPr lang="nl-NL" dirty="0" err="1"/>
+              <a:t>negative</a:t>
+            </a:r>
+            <a:r>
+              <a:rPr lang="nl-NL" dirty="0"/>
+              <a:t> </a:t>
+            </a:r>
+            <a:r>
+              <a:rPr lang="nl-NL" dirty="0" err="1"/>
+              <a:t>balance</a:t>
+            </a:r>
+            <a:r>
+              <a:rPr lang="nl-NL" dirty="0"/>
+              <a:t> at </a:t>
+            </a:r>
+            <a:r>
+              <a:rPr lang="nl-NL" dirty="0" err="1"/>
+              <a:t>the</a:t>
+            </a:r>
+            <a:r>
+              <a:rPr lang="nl-NL" dirty="0"/>
+              <a:t> end of </a:t>
+            </a:r>
+            <a:r>
+              <a:rPr lang="nl-NL" dirty="0" err="1"/>
+              <a:t>the</a:t>
+            </a:r>
+            <a:r>
+              <a:rPr lang="nl-NL" dirty="0"/>
+              <a:t> </a:t>
+            </a:r>
+            <a:r>
+              <a:rPr lang="nl-NL" dirty="0" err="1"/>
+              <a:t>month</a:t>
+            </a:r>
+            <a:r>
+              <a:rPr lang="nl-NL" dirty="0"/>
+              <a:t>.</a:t>
+            </a:r>
+          </a:p>
+          <a:p>
+            <a:r>
+              <a:rPr lang="nl-NL" dirty="0"/>
+              <a:t>ING presents her </a:t>
+            </a:r>
+            <a:r>
+              <a:rPr lang="nl-NL" dirty="0" err="1"/>
+              <a:t>the</a:t>
+            </a:r>
+            <a:r>
+              <a:rPr lang="nl-NL" dirty="0"/>
+              <a:t> option </a:t>
+            </a:r>
+            <a:r>
+              <a:rPr lang="nl-NL" dirty="0" err="1"/>
+              <a:t>to</a:t>
+            </a:r>
+            <a:r>
+              <a:rPr lang="nl-NL" dirty="0"/>
+              <a:t> take money of her </a:t>
+            </a:r>
+            <a:r>
+              <a:rPr lang="nl-NL" dirty="0" err="1"/>
+              <a:t>savings</a:t>
+            </a:r>
+            <a:r>
+              <a:rPr lang="nl-NL" dirty="0"/>
+              <a:t> account, but </a:t>
+            </a:r>
+            <a:r>
+              <a:rPr lang="nl-NL" dirty="0" err="1"/>
+              <a:t>she</a:t>
+            </a:r>
+            <a:r>
+              <a:rPr lang="nl-NL" dirty="0"/>
+              <a:t> </a:t>
+            </a:r>
+            <a:r>
+              <a:rPr lang="nl-NL" dirty="0" err="1"/>
+              <a:t>decides</a:t>
+            </a:r>
+            <a:r>
+              <a:rPr lang="nl-NL" dirty="0"/>
+              <a:t> </a:t>
+            </a:r>
+            <a:r>
+              <a:rPr lang="nl-NL" dirty="0" err="1"/>
+              <a:t>she’ll</a:t>
+            </a:r>
+            <a:r>
+              <a:rPr lang="nl-NL" dirty="0"/>
+              <a:t> get </a:t>
+            </a:r>
+            <a:r>
+              <a:rPr lang="nl-NL" dirty="0" err="1"/>
+              <a:t>the</a:t>
+            </a:r>
+            <a:r>
+              <a:rPr lang="nl-NL" dirty="0"/>
+              <a:t> iPhone next time.</a:t>
             </a:r>
           </a:p>
           <a:p>
@@ -3574,7 +4103,9 @@
         </p:nvSpPr>
         <p:spPr/>
         <p:txBody>
-          <a:bodyPr/>
+          <a:bodyPr>
+            <a:normAutofit fontScale="92500" lnSpcReduction="10000"/>
+          </a:bodyPr>
           <a:lstStyle/>
           <a:p>
             <a:r>
@@ -3882,19 +4413,69 @@
             </a:r>
             <a:r>
               <a:rPr lang="nl-NL" dirty="0"/>
-              <a:t>. </a:t>
-            </a:r>
-            <a:r>
-              <a:rPr lang="nl-NL" dirty="0" err="1"/>
-              <a:t>Only</a:t>
-            </a:r>
-            <a:r>
-              <a:rPr lang="nl-NL" dirty="0"/>
-              <a:t> </a:t>
-            </a:r>
-            <a:r>
-              <a:rPr lang="nl-NL" dirty="0" err="1"/>
-              <a:t>now</a:t>
+              <a:t> </a:t>
+            </a:r>
+            <a:r>
+              <a:rPr lang="nl-NL" dirty="0" err="1"/>
+              <a:t>with</a:t>
+            </a:r>
+            <a:r>
+              <a:rPr lang="nl-NL" dirty="0"/>
+              <a:t> different </a:t>
+            </a:r>
+            <a:r>
+              <a:rPr lang="nl-NL" dirty="0" err="1"/>
+              <a:t>realtime</a:t>
+            </a:r>
+            <a:r>
+              <a:rPr lang="nl-NL" dirty="0"/>
+              <a:t> data: </a:t>
+            </a:r>
+            <a:r>
+              <a:rPr lang="nl-NL" dirty="0" err="1"/>
+              <a:t>she</a:t>
+            </a:r>
+            <a:r>
+              <a:rPr lang="nl-NL" dirty="0"/>
+              <a:t> is at a shop, </a:t>
+            </a:r>
+            <a:r>
+              <a:rPr lang="nl-NL" dirty="0" err="1"/>
+              <a:t>she</a:t>
+            </a:r>
+            <a:r>
+              <a:rPr lang="nl-NL" dirty="0"/>
+              <a:t> has </a:t>
+            </a:r>
+            <a:r>
+              <a:rPr lang="nl-NL" dirty="0" err="1"/>
+              <a:t>recently</a:t>
+            </a:r>
+            <a:r>
+              <a:rPr lang="nl-NL" dirty="0"/>
+              <a:t> made </a:t>
+            </a:r>
+            <a:r>
+              <a:rPr lang="nl-NL" dirty="0" err="1"/>
+              <a:t>some</a:t>
+            </a:r>
+            <a:r>
+              <a:rPr lang="nl-NL" dirty="0"/>
+              <a:t> </a:t>
+            </a:r>
+            <a:r>
+              <a:rPr lang="nl-NL" dirty="0" err="1"/>
+              <a:t>purchases</a:t>
+            </a:r>
+            <a:r>
+              <a:rPr lang="nl-NL" dirty="0"/>
+              <a:t>.</a:t>
+            </a:r>
+          </a:p>
+          <a:p>
+            <a:r>
+              <a:rPr lang="nl-NL" dirty="0" err="1"/>
+              <a:t>Now</a:t>
             </a:r>
             <a:r>
               <a:rPr lang="nl-NL" dirty="0"/>
@@ -3994,7 +4575,7 @@
             </a:r>
             <a:r>
               <a:rPr lang="nl-NL" dirty="0"/>
-              <a:t>.</a:t>
+              <a:t>!</a:t>
             </a:r>
           </a:p>
           <a:p>
@@ -4048,12 +4629,1207 @@
           <a:lstStyle/>
           <a:p>
             <a:r>
+              <a:rPr lang="nl-NL" dirty="0"/>
+              <a:t>We </a:t>
+            </a:r>
+            <a:r>
+              <a:rPr lang="nl-NL" dirty="0" err="1"/>
+              <a:t>used</a:t>
+            </a:r>
+            <a:r>
+              <a:rPr lang="nl-NL" dirty="0"/>
+              <a:t> modern </a:t>
+            </a:r>
+            <a:r>
+              <a:rPr lang="nl-NL" dirty="0" err="1"/>
+              <a:t>architecture</a:t>
+            </a:r>
+            <a:r>
+              <a:rPr lang="nl-NL" dirty="0"/>
+              <a:t> </a:t>
+            </a:r>
+            <a:r>
+              <a:rPr lang="nl-NL" dirty="0" err="1"/>
+              <a:t>principles</a:t>
+            </a:r>
+            <a:r>
+              <a:rPr lang="nl-NL" dirty="0"/>
+              <a:t> </a:t>
+            </a:r>
+            <a:r>
+              <a:rPr lang="nl-NL" dirty="0" err="1"/>
+              <a:t>and</a:t>
+            </a:r>
+            <a:r>
+              <a:rPr lang="nl-NL" dirty="0"/>
+              <a:t> state-of-</a:t>
+            </a:r>
+            <a:r>
+              <a:rPr lang="nl-NL" dirty="0" err="1"/>
+              <a:t>the</a:t>
+            </a:r>
+            <a:r>
+              <a:rPr lang="nl-NL" dirty="0"/>
+              <a:t>-art design </a:t>
+            </a:r>
+            <a:r>
+              <a:rPr lang="nl-NL" dirty="0" err="1"/>
+              <a:t>patterns</a:t>
+            </a:r>
+            <a:endParaRPr lang="nl-NL" dirty="0"/>
+          </a:p>
+        </p:txBody>
+      </p:sp>
+      <p:sp>
+        <p:nvSpPr>
+          <p:cNvPr id="3" name="Content Placeholder 2"/>
+          <p:cNvSpPr>
+            <a:spLocks noGrp="1"/>
+          </p:cNvSpPr>
+          <p:nvPr>
+            <p:ph idx="1"/>
+          </p:nvPr>
+        </p:nvSpPr>
+        <p:spPr/>
+        <p:txBody>
+          <a:bodyPr/>
+          <a:lstStyle/>
+          <a:p>
+            <a:r>
+              <a:rPr lang="nl-NL" dirty="0" err="1"/>
+              <a:t>Lambda</a:t>
+            </a:r>
+            <a:r>
+              <a:rPr lang="nl-NL" dirty="0"/>
+              <a:t> Architecture (</a:t>
+            </a:r>
+            <a:r>
+              <a:rPr lang="nl-NL" dirty="0" err="1"/>
+              <a:t>combining</a:t>
+            </a:r>
+            <a:r>
+              <a:rPr lang="nl-NL" dirty="0"/>
+              <a:t> batch &amp; real-time)</a:t>
+            </a:r>
+          </a:p>
+          <a:p>
+            <a:r>
+              <a:rPr lang="nl-NL" dirty="0"/>
+              <a:t>In-memory Analytics</a:t>
+            </a:r>
+          </a:p>
+          <a:p>
+            <a:r>
+              <a:rPr lang="nl-NL" dirty="0" err="1"/>
+              <a:t>Fast</a:t>
+            </a:r>
+            <a:r>
+              <a:rPr lang="nl-NL" dirty="0"/>
+              <a:t> data processing </a:t>
+            </a:r>
+            <a:r>
+              <a:rPr lang="nl-NL" dirty="0" err="1"/>
+              <a:t>with</a:t>
+            </a:r>
+            <a:r>
+              <a:rPr lang="nl-NL" dirty="0"/>
+              <a:t> Actors</a:t>
+            </a:r>
+          </a:p>
+        </p:txBody>
+      </p:sp>
+    </p:spTree>
+    <p:extLst>
+      <p:ext uri="{BB962C8B-B14F-4D97-AF65-F5344CB8AC3E}">
+        <p14:creationId xmlns:p14="http://schemas.microsoft.com/office/powerpoint/2010/main" val="1825854403"/>
+      </p:ext>
+    </p:extLst>
+  </p:cSld>
+  <p:clrMapOvr>
+    <a:masterClrMapping/>
+  </p:clrMapOvr>
+</p:sld>
+</file>
+
+<file path=ppt/slides/slide6.xml><?xml version="1.0" encoding="utf-8"?>
+<p:sld xmlns:a="http://schemas.openxmlformats.org/drawingml/2006/main" xmlns:r="http://schemas.openxmlformats.org/officeDocument/2006/relationships" xmlns:p="http://schemas.openxmlformats.org/presentationml/2006/main">
+  <p:cSld>
+    <p:spTree>
+      <p:nvGrpSpPr>
+        <p:cNvPr id="1" name=""/>
+        <p:cNvGrpSpPr/>
+        <p:nvPr/>
+      </p:nvGrpSpPr>
+      <p:grpSpPr>
+        <a:xfrm>
+          <a:off x="0" y="0"/>
+          <a:ext cx="0" cy="0"/>
+          <a:chOff x="0" y="0"/>
+          <a:chExt cx="0" cy="0"/>
+        </a:xfrm>
+      </p:grpSpPr>
+      <p:cxnSp>
+        <p:nvCxnSpPr>
+          <p:cNvPr id="29" name="Straight Connector 28"/>
+          <p:cNvCxnSpPr/>
+          <p:nvPr/>
+        </p:nvCxnSpPr>
+        <p:spPr>
+          <a:xfrm flipH="1">
+            <a:off x="2517844" y="1453896"/>
+            <a:ext cx="4261" cy="5148389"/>
+          </a:xfrm>
+          <a:prstGeom prst="line">
+            <a:avLst/>
+          </a:prstGeom>
+          <a:ln w="28575">
+            <a:solidFill>
+              <a:schemeClr val="tx1"/>
+            </a:solidFill>
+            <a:prstDash val="lgDash"/>
+          </a:ln>
+        </p:spPr>
+        <p:style>
+          <a:lnRef idx="1">
+            <a:schemeClr val="accent1"/>
+          </a:lnRef>
+          <a:fillRef idx="0">
+            <a:schemeClr val="accent1"/>
+          </a:fillRef>
+          <a:effectRef idx="0">
+            <a:schemeClr val="accent1"/>
+          </a:effectRef>
+          <a:fontRef idx="minor">
+            <a:schemeClr val="tx1"/>
+          </a:fontRef>
+        </p:style>
+      </p:cxnSp>
+      <p:sp>
+        <p:nvSpPr>
+          <p:cNvPr id="2" name="Title 1"/>
+          <p:cNvSpPr>
+            <a:spLocks noGrp="1"/>
+          </p:cNvSpPr>
+          <p:nvPr>
+            <p:ph type="title"/>
+          </p:nvPr>
+        </p:nvSpPr>
+        <p:spPr/>
+        <p:txBody>
+          <a:bodyPr/>
+          <a:lstStyle/>
+          <a:p>
+            <a:r>
               <a:rPr lang="nl-NL" dirty="0" err="1"/>
               <a:t>What</a:t>
             </a:r>
             <a:r>
               <a:rPr lang="nl-NL" dirty="0"/>
-              <a:t> do </a:t>
+              <a:t> </a:t>
+            </a:r>
+            <a:r>
+              <a:rPr lang="nl-NL" dirty="0" err="1"/>
+              <a:t>technology</a:t>
+            </a:r>
+            <a:r>
+              <a:rPr lang="nl-NL" dirty="0"/>
+              <a:t> </a:t>
+            </a:r>
+            <a:r>
+              <a:rPr lang="nl-NL" dirty="0" err="1"/>
+              <a:t>did</a:t>
+            </a:r>
+            <a:r>
+              <a:rPr lang="nl-NL" dirty="0"/>
+              <a:t> we </a:t>
+            </a:r>
+            <a:r>
+              <a:rPr lang="nl-NL" dirty="0" err="1"/>
+              <a:t>use</a:t>
+            </a:r>
+            <a:r>
+              <a:rPr lang="nl-NL" dirty="0"/>
+              <a:t>?</a:t>
+            </a:r>
+          </a:p>
+        </p:txBody>
+      </p:sp>
+      <p:sp>
+        <p:nvSpPr>
+          <p:cNvPr id="4" name="Rectangle 3"/>
+          <p:cNvSpPr/>
+          <p:nvPr/>
+        </p:nvSpPr>
+        <p:spPr>
+          <a:xfrm>
+            <a:off x="2834640" y="1690688"/>
+            <a:ext cx="2052794" cy="3064192"/>
+          </a:xfrm>
+          <a:prstGeom prst="rect">
+            <a:avLst/>
+          </a:prstGeom>
+          <a:solidFill>
+            <a:schemeClr val="accent2">
+              <a:lumMod val="75000"/>
+            </a:schemeClr>
+          </a:solidFill>
+          <a:ln>
+            <a:noFill/>
+          </a:ln>
+        </p:spPr>
+        <p:style>
+          <a:lnRef idx="2">
+            <a:schemeClr val="accent1">
+              <a:shade val="50000"/>
+            </a:schemeClr>
+          </a:lnRef>
+          <a:fillRef idx="1">
+            <a:schemeClr val="accent1"/>
+          </a:fillRef>
+          <a:effectRef idx="0">
+            <a:schemeClr val="accent1"/>
+          </a:effectRef>
+          <a:fontRef idx="minor">
+            <a:schemeClr val="lt1"/>
+          </a:fontRef>
+        </p:style>
+        <p:txBody>
+          <a:bodyPr rtlCol="0" anchor="t"/>
+          <a:lstStyle/>
+          <a:p>
+            <a:pPr algn="ctr"/>
+            <a:r>
+              <a:rPr lang="nl-NL" dirty="0" err="1"/>
+              <a:t>Rule</a:t>
+            </a:r>
+            <a:r>
+              <a:rPr lang="nl-NL" dirty="0"/>
+              <a:t> Engine</a:t>
+            </a:r>
+          </a:p>
+        </p:txBody>
+      </p:sp>
+      <p:sp>
+        <p:nvSpPr>
+          <p:cNvPr id="5" name="Rectangle 4"/>
+          <p:cNvSpPr/>
+          <p:nvPr/>
+        </p:nvSpPr>
+        <p:spPr>
+          <a:xfrm>
+            <a:off x="348995" y="1690688"/>
+            <a:ext cx="1924207" cy="3064192"/>
+          </a:xfrm>
+          <a:prstGeom prst="rect">
+            <a:avLst/>
+          </a:prstGeom>
+          <a:solidFill>
+            <a:schemeClr val="accent2">
+              <a:lumMod val="75000"/>
+            </a:schemeClr>
+          </a:solidFill>
+          <a:ln>
+            <a:noFill/>
+          </a:ln>
+        </p:spPr>
+        <p:style>
+          <a:lnRef idx="2">
+            <a:schemeClr val="accent1">
+              <a:shade val="50000"/>
+            </a:schemeClr>
+          </a:lnRef>
+          <a:fillRef idx="1">
+            <a:schemeClr val="accent1"/>
+          </a:fillRef>
+          <a:effectRef idx="0">
+            <a:schemeClr val="accent1"/>
+          </a:effectRef>
+          <a:fontRef idx="minor">
+            <a:schemeClr val="lt1"/>
+          </a:fontRef>
+        </p:style>
+        <p:txBody>
+          <a:bodyPr rtlCol="0" anchor="t"/>
+          <a:lstStyle/>
+          <a:p>
+            <a:pPr algn="ctr"/>
+            <a:r>
+              <a:rPr lang="nl-NL" dirty="0"/>
+              <a:t>Data Sources</a:t>
+            </a:r>
+          </a:p>
+        </p:txBody>
+      </p:sp>
+      <p:sp>
+        <p:nvSpPr>
+          <p:cNvPr id="6" name="Rectangle 5"/>
+          <p:cNvSpPr/>
+          <p:nvPr/>
+        </p:nvSpPr>
+        <p:spPr>
+          <a:xfrm>
+            <a:off x="5337048" y="1690688"/>
+            <a:ext cx="1932432" cy="3064192"/>
+          </a:xfrm>
+          <a:prstGeom prst="rect">
+            <a:avLst/>
+          </a:prstGeom>
+          <a:solidFill>
+            <a:schemeClr val="accent2">
+              <a:lumMod val="75000"/>
+            </a:schemeClr>
+          </a:solidFill>
+          <a:ln>
+            <a:noFill/>
+          </a:ln>
+        </p:spPr>
+        <p:style>
+          <a:lnRef idx="2">
+            <a:schemeClr val="accent1">
+              <a:shade val="50000"/>
+            </a:schemeClr>
+          </a:lnRef>
+          <a:fillRef idx="1">
+            <a:schemeClr val="accent1"/>
+          </a:fillRef>
+          <a:effectRef idx="0">
+            <a:schemeClr val="accent1"/>
+          </a:effectRef>
+          <a:fontRef idx="minor">
+            <a:schemeClr val="lt1"/>
+          </a:fontRef>
+        </p:style>
+        <p:txBody>
+          <a:bodyPr rtlCol="0" anchor="t"/>
+          <a:lstStyle/>
+          <a:p>
+            <a:pPr algn="ctr"/>
+            <a:r>
+              <a:rPr lang="nl-NL" dirty="0" err="1"/>
+              <a:t>Prediction</a:t>
+            </a:r>
+            <a:r>
+              <a:rPr lang="nl-NL" dirty="0"/>
+              <a:t> Engine</a:t>
+            </a:r>
+          </a:p>
+        </p:txBody>
+      </p:sp>
+      <p:sp>
+        <p:nvSpPr>
+          <p:cNvPr id="7" name="Rectangle 6"/>
+          <p:cNvSpPr/>
+          <p:nvPr/>
+        </p:nvSpPr>
+        <p:spPr>
+          <a:xfrm>
+            <a:off x="7502040" y="1690688"/>
+            <a:ext cx="1932432" cy="3064192"/>
+          </a:xfrm>
+          <a:prstGeom prst="rect">
+            <a:avLst/>
+          </a:prstGeom>
+          <a:solidFill>
+            <a:schemeClr val="accent2">
+              <a:lumMod val="75000"/>
+            </a:schemeClr>
+          </a:solidFill>
+          <a:ln>
+            <a:noFill/>
+          </a:ln>
+        </p:spPr>
+        <p:style>
+          <a:lnRef idx="2">
+            <a:schemeClr val="accent1">
+              <a:shade val="50000"/>
+            </a:schemeClr>
+          </a:lnRef>
+          <a:fillRef idx="1">
+            <a:schemeClr val="accent1"/>
+          </a:fillRef>
+          <a:effectRef idx="0">
+            <a:schemeClr val="accent1"/>
+          </a:effectRef>
+          <a:fontRef idx="minor">
+            <a:schemeClr val="lt1"/>
+          </a:fontRef>
+        </p:style>
+        <p:txBody>
+          <a:bodyPr rtlCol="0" anchor="t"/>
+          <a:lstStyle/>
+          <a:p>
+            <a:pPr algn="ctr"/>
+            <a:r>
+              <a:rPr lang="nl-NL" dirty="0"/>
+              <a:t>API</a:t>
+            </a:r>
+          </a:p>
+        </p:txBody>
+      </p:sp>
+      <p:sp>
+        <p:nvSpPr>
+          <p:cNvPr id="8" name="Rectangle 7"/>
+          <p:cNvSpPr/>
+          <p:nvPr/>
+        </p:nvSpPr>
+        <p:spPr>
+          <a:xfrm>
+            <a:off x="9710928" y="1690688"/>
+            <a:ext cx="1932432" cy="3064192"/>
+          </a:xfrm>
+          <a:prstGeom prst="rect">
+            <a:avLst/>
+          </a:prstGeom>
+          <a:solidFill>
+            <a:schemeClr val="accent2">
+              <a:lumMod val="75000"/>
+            </a:schemeClr>
+          </a:solidFill>
+          <a:ln>
+            <a:noFill/>
+          </a:ln>
+        </p:spPr>
+        <p:style>
+          <a:lnRef idx="2">
+            <a:schemeClr val="accent1">
+              <a:shade val="50000"/>
+            </a:schemeClr>
+          </a:lnRef>
+          <a:fillRef idx="1">
+            <a:schemeClr val="accent1"/>
+          </a:fillRef>
+          <a:effectRef idx="0">
+            <a:schemeClr val="accent1"/>
+          </a:effectRef>
+          <a:fontRef idx="minor">
+            <a:schemeClr val="lt1"/>
+          </a:fontRef>
+        </p:style>
+        <p:txBody>
+          <a:bodyPr rtlCol="0" anchor="t"/>
+          <a:lstStyle/>
+          <a:p>
+            <a:pPr algn="ctr"/>
+            <a:r>
+              <a:rPr lang="nl-NL" dirty="0"/>
+              <a:t>App</a:t>
+            </a:r>
+          </a:p>
+          <a:p>
+            <a:pPr algn="ctr"/>
+            <a:r>
+              <a:rPr lang="nl-NL" dirty="0"/>
+              <a:t>Website</a:t>
+            </a:r>
+          </a:p>
+        </p:txBody>
+      </p:sp>
+      <p:sp>
+        <p:nvSpPr>
+          <p:cNvPr id="9" name="Can 8"/>
+          <p:cNvSpPr/>
+          <p:nvPr/>
+        </p:nvSpPr>
+        <p:spPr>
+          <a:xfrm>
+            <a:off x="5905736" y="5153456"/>
+            <a:ext cx="3273552" cy="1499616"/>
+          </a:xfrm>
+          <a:prstGeom prst="can">
+            <a:avLst/>
+          </a:prstGeom>
+          <a:solidFill>
+            <a:schemeClr val="bg1">
+              <a:lumMod val="50000"/>
+            </a:schemeClr>
+          </a:solidFill>
+        </p:spPr>
+        <p:style>
+          <a:lnRef idx="2">
+            <a:schemeClr val="accent1">
+              <a:shade val="50000"/>
+            </a:schemeClr>
+          </a:lnRef>
+          <a:fillRef idx="1">
+            <a:schemeClr val="accent1"/>
+          </a:fillRef>
+          <a:effectRef idx="0">
+            <a:schemeClr val="accent1"/>
+          </a:effectRef>
+          <a:fontRef idx="minor">
+            <a:schemeClr val="lt1"/>
+          </a:fontRef>
+        </p:style>
+        <p:txBody>
+          <a:bodyPr rtlCol="0" anchor="ctr"/>
+          <a:lstStyle/>
+          <a:p>
+            <a:pPr algn="ctr"/>
+            <a:endParaRPr lang="nl-NL"/>
+          </a:p>
+        </p:txBody>
+      </p:sp>
+      <p:sp>
+        <p:nvSpPr>
+          <p:cNvPr id="10" name="Pentagon 9"/>
+          <p:cNvSpPr/>
+          <p:nvPr/>
+        </p:nvSpPr>
+        <p:spPr>
+          <a:xfrm>
+            <a:off x="1853564" y="2466342"/>
+            <a:ext cx="1429131" cy="1075689"/>
+          </a:xfrm>
+          <a:prstGeom prst="homePlate">
+            <a:avLst/>
+          </a:prstGeom>
+          <a:solidFill>
+            <a:srgbClr val="FFC000"/>
+          </a:solidFill>
+          <a:ln>
+            <a:noFill/>
+          </a:ln>
+        </p:spPr>
+        <p:style>
+          <a:lnRef idx="2">
+            <a:schemeClr val="accent1">
+              <a:shade val="50000"/>
+            </a:schemeClr>
+          </a:lnRef>
+          <a:fillRef idx="1">
+            <a:schemeClr val="accent1"/>
+          </a:fillRef>
+          <a:effectRef idx="0">
+            <a:schemeClr val="accent1"/>
+          </a:effectRef>
+          <a:fontRef idx="minor">
+            <a:schemeClr val="lt1"/>
+          </a:fontRef>
+        </p:style>
+        <p:txBody>
+          <a:bodyPr rtlCol="0" anchor="ctr"/>
+          <a:lstStyle/>
+          <a:p>
+            <a:pPr algn="ctr"/>
+            <a:endParaRPr lang="nl-NL"/>
+          </a:p>
+        </p:txBody>
+      </p:sp>
+      <p:cxnSp>
+        <p:nvCxnSpPr>
+          <p:cNvPr id="13" name="Straight Connector 12"/>
+          <p:cNvCxnSpPr/>
+          <p:nvPr/>
+        </p:nvCxnSpPr>
+        <p:spPr>
+          <a:xfrm>
+            <a:off x="9571176" y="1380744"/>
+            <a:ext cx="0" cy="5293106"/>
+          </a:xfrm>
+          <a:prstGeom prst="line">
+            <a:avLst/>
+          </a:prstGeom>
+          <a:ln w="28575">
+            <a:solidFill>
+              <a:schemeClr val="tx1"/>
+            </a:solidFill>
+            <a:prstDash val="lgDash"/>
+          </a:ln>
+        </p:spPr>
+        <p:style>
+          <a:lnRef idx="1">
+            <a:schemeClr val="accent1"/>
+          </a:lnRef>
+          <a:fillRef idx="0">
+            <a:schemeClr val="accent1"/>
+          </a:fillRef>
+          <a:effectRef idx="0">
+            <a:schemeClr val="accent1"/>
+          </a:effectRef>
+          <a:fontRef idx="minor">
+            <a:schemeClr val="tx1"/>
+          </a:fontRef>
+        </p:style>
+      </p:cxnSp>
+      <p:pic>
+        <p:nvPicPr>
+          <p:cNvPr id="16" name="Picture 15"/>
+          <p:cNvPicPr>
+            <a:picLocks noChangeAspect="1"/>
+          </p:cNvPicPr>
+          <p:nvPr/>
+        </p:nvPicPr>
+        <p:blipFill>
+          <a:blip r:embed="rId2"/>
+          <a:stretch>
+            <a:fillRect/>
+          </a:stretch>
+        </p:blipFill>
+        <p:spPr>
+          <a:xfrm>
+            <a:off x="6926054" y="5633771"/>
+            <a:ext cx="1170813" cy="786239"/>
+          </a:xfrm>
+          <a:prstGeom prst="rect">
+            <a:avLst/>
+          </a:prstGeom>
+        </p:spPr>
+      </p:pic>
+      <p:pic>
+        <p:nvPicPr>
+          <p:cNvPr id="1028" name="Picture 4" descr="http://inquidia.com/sites/default/files/spark.png"/>
+          <p:cNvPicPr>
+            <a:picLocks noChangeAspect="1" noChangeArrowheads="1"/>
+          </p:cNvPicPr>
+          <p:nvPr/>
+        </p:nvPicPr>
+        <p:blipFill>
+          <a:blip r:embed="rId3">
+            <a:extLst>
+              <a:ext uri="{28A0092B-C50C-407E-A947-70E740481C1C}">
+                <a14:useLocalDpi xmlns:a14="http://schemas.microsoft.com/office/drawing/2010/main" val="0"/>
+              </a:ext>
+            </a:extLst>
+          </a:blip>
+          <a:srcRect/>
+          <a:stretch>
+            <a:fillRect/>
+          </a:stretch>
+        </p:blipFill>
+        <p:spPr bwMode="auto">
+          <a:xfrm>
+            <a:off x="5686806" y="3441764"/>
+            <a:ext cx="1404366" cy="745730"/>
+          </a:xfrm>
+          <a:prstGeom prst="rect">
+            <a:avLst/>
+          </a:prstGeom>
+          <a:noFill/>
+          <a:extLst>
+            <a:ext uri="{909E8E84-426E-40DD-AFC4-6F175D3DCCD1}">
+              <a14:hiddenFill xmlns:a14="http://schemas.microsoft.com/office/drawing/2010/main">
+                <a:solidFill>
+                  <a:srgbClr val="FFFFFF"/>
+                </a:solidFill>
+              </a14:hiddenFill>
+            </a:ext>
+          </a:extLst>
+        </p:spPr>
+      </p:pic>
+      <p:pic>
+        <p:nvPicPr>
+          <p:cNvPr id="1030" name="Picture 6" descr="https://upload.wikimedia.org/wikipedia/en/thumb/5/5e/Akka_toolkit_logo.svg/1280px-Akka_toolkit_logo.svg.png"/>
+          <p:cNvPicPr>
+            <a:picLocks noChangeAspect="1" noChangeArrowheads="1"/>
+          </p:cNvPicPr>
+          <p:nvPr/>
+        </p:nvPicPr>
+        <p:blipFill>
+          <a:blip r:embed="rId4" cstate="print">
+            <a:extLst>
+              <a:ext uri="{28A0092B-C50C-407E-A947-70E740481C1C}">
+                <a14:useLocalDpi xmlns:a14="http://schemas.microsoft.com/office/drawing/2010/main" val="0"/>
+              </a:ext>
+            </a:extLst>
+          </a:blip>
+          <a:srcRect/>
+          <a:stretch>
+            <a:fillRect/>
+          </a:stretch>
+        </p:blipFill>
+        <p:spPr bwMode="auto">
+          <a:xfrm>
+            <a:off x="2898648" y="3542031"/>
+            <a:ext cx="1829263" cy="750284"/>
+          </a:xfrm>
+          <a:prstGeom prst="rect">
+            <a:avLst/>
+          </a:prstGeom>
+          <a:noFill/>
+          <a:extLst>
+            <a:ext uri="{909E8E84-426E-40DD-AFC4-6F175D3DCCD1}">
+              <a14:hiddenFill xmlns:a14="http://schemas.microsoft.com/office/drawing/2010/main">
+                <a:solidFill>
+                  <a:srgbClr val="FFFFFF"/>
+                </a:solidFill>
+              </a14:hiddenFill>
+            </a:ext>
+          </a:extLst>
+        </p:spPr>
+      </p:pic>
+      <p:pic>
+        <p:nvPicPr>
+          <p:cNvPr id="19" name="Picture 6" descr="https://upload.wikimedia.org/wikipedia/en/thumb/5/5e/Akka_toolkit_logo.svg/1280px-Akka_toolkit_logo.svg.png"/>
+          <p:cNvPicPr>
+            <a:picLocks noChangeAspect="1" noChangeArrowheads="1"/>
+          </p:cNvPicPr>
+          <p:nvPr/>
+        </p:nvPicPr>
+        <p:blipFill>
+          <a:blip r:embed="rId4" cstate="print">
+            <a:extLst>
+              <a:ext uri="{28A0092B-C50C-407E-A947-70E740481C1C}">
+                <a14:useLocalDpi xmlns:a14="http://schemas.microsoft.com/office/drawing/2010/main" val="0"/>
+              </a:ext>
+            </a:extLst>
+          </a:blip>
+          <a:srcRect/>
+          <a:stretch>
+            <a:fillRect/>
+          </a:stretch>
+        </p:blipFill>
+        <p:spPr bwMode="auto">
+          <a:xfrm>
+            <a:off x="7503101" y="3470465"/>
+            <a:ext cx="1829263" cy="750284"/>
+          </a:xfrm>
+          <a:prstGeom prst="rect">
+            <a:avLst/>
+          </a:prstGeom>
+          <a:noFill/>
+          <a:extLst>
+            <a:ext uri="{909E8E84-426E-40DD-AFC4-6F175D3DCCD1}">
+              <a14:hiddenFill xmlns:a14="http://schemas.microsoft.com/office/drawing/2010/main">
+                <a:solidFill>
+                  <a:srgbClr val="FFFFFF"/>
+                </a:solidFill>
+              </a14:hiddenFill>
+            </a:ext>
+          </a:extLst>
+        </p:spPr>
+      </p:pic>
+      <p:pic>
+        <p:nvPicPr>
+          <p:cNvPr id="20" name="Picture 6" descr="https://upload.wikimedia.org/wikipedia/en/thumb/5/5e/Akka_toolkit_logo.svg/1280px-Akka_toolkit_logo.svg.png"/>
+          <p:cNvPicPr>
+            <a:picLocks noChangeAspect="1" noChangeArrowheads="1"/>
+          </p:cNvPicPr>
+          <p:nvPr/>
+        </p:nvPicPr>
+        <p:blipFill>
+          <a:blip r:embed="rId4" cstate="print">
+            <a:extLst>
+              <a:ext uri="{28A0092B-C50C-407E-A947-70E740481C1C}">
+                <a14:useLocalDpi xmlns:a14="http://schemas.microsoft.com/office/drawing/2010/main" val="0"/>
+              </a:ext>
+            </a:extLst>
+          </a:blip>
+          <a:srcRect/>
+          <a:stretch>
+            <a:fillRect/>
+          </a:stretch>
+        </p:blipFill>
+        <p:spPr bwMode="auto">
+          <a:xfrm>
+            <a:off x="307236" y="3631581"/>
+            <a:ext cx="1829263" cy="750284"/>
+          </a:xfrm>
+          <a:prstGeom prst="rect">
+            <a:avLst/>
+          </a:prstGeom>
+          <a:noFill/>
+          <a:extLst>
+            <a:ext uri="{909E8E84-426E-40DD-AFC4-6F175D3DCCD1}">
+              <a14:hiddenFill xmlns:a14="http://schemas.microsoft.com/office/drawing/2010/main">
+                <a:solidFill>
+                  <a:srgbClr val="FFFFFF"/>
+                </a:solidFill>
+              </a14:hiddenFill>
+            </a:ext>
+          </a:extLst>
+        </p:spPr>
+      </p:pic>
+      <p:pic>
+        <p:nvPicPr>
+          <p:cNvPr id="1032" name="Picture 8" descr="http://codeschunks.com/wp-content/uploads/2015/10/angularjs.png"/>
+          <p:cNvPicPr>
+            <a:picLocks noChangeAspect="1" noChangeArrowheads="1"/>
+          </p:cNvPicPr>
+          <p:nvPr/>
+        </p:nvPicPr>
+        <p:blipFill>
+          <a:blip r:embed="rId5">
+            <a:extLst>
+              <a:ext uri="{28A0092B-C50C-407E-A947-70E740481C1C}">
+                <a14:useLocalDpi xmlns:a14="http://schemas.microsoft.com/office/drawing/2010/main" val="0"/>
+              </a:ext>
+            </a:extLst>
+          </a:blip>
+          <a:srcRect/>
+          <a:stretch>
+            <a:fillRect/>
+          </a:stretch>
+        </p:blipFill>
+        <p:spPr bwMode="auto">
+          <a:xfrm>
+            <a:off x="9915144" y="2869580"/>
+            <a:ext cx="1524000" cy="1524001"/>
+          </a:xfrm>
+          <a:prstGeom prst="rect">
+            <a:avLst/>
+          </a:prstGeom>
+          <a:noFill/>
+          <a:extLst>
+            <a:ext uri="{909E8E84-426E-40DD-AFC4-6F175D3DCCD1}">
+              <a14:hiddenFill xmlns:a14="http://schemas.microsoft.com/office/drawing/2010/main">
+                <a:solidFill>
+                  <a:srgbClr val="FFFFFF"/>
+                </a:solidFill>
+              </a14:hiddenFill>
+            </a:ext>
+          </a:extLst>
+        </p:spPr>
+      </p:pic>
+      <p:pic>
+        <p:nvPicPr>
+          <p:cNvPr id="1034" name="Picture 10" descr="https://svn.apache.org/repos/asf/kafka/site/logos/kafka-logo-tall.png"/>
+          <p:cNvPicPr>
+            <a:picLocks noChangeAspect="1" noChangeArrowheads="1"/>
+          </p:cNvPicPr>
+          <p:nvPr/>
+        </p:nvPicPr>
+        <p:blipFill>
+          <a:blip r:embed="rId6" cstate="print">
+            <a:extLst>
+              <a:ext uri="{28A0092B-C50C-407E-A947-70E740481C1C}">
+                <a14:useLocalDpi xmlns:a14="http://schemas.microsoft.com/office/drawing/2010/main" val="0"/>
+              </a:ext>
+            </a:extLst>
+          </a:blip>
+          <a:srcRect/>
+          <a:stretch>
+            <a:fillRect/>
+          </a:stretch>
+        </p:blipFill>
+        <p:spPr bwMode="auto">
+          <a:xfrm>
+            <a:off x="1965698" y="2476343"/>
+            <a:ext cx="863131" cy="939611"/>
+          </a:xfrm>
+          <a:prstGeom prst="rect">
+            <a:avLst/>
+          </a:prstGeom>
+          <a:noFill/>
+          <a:extLst>
+            <a:ext uri="{909E8E84-426E-40DD-AFC4-6F175D3DCCD1}">
+              <a14:hiddenFill xmlns:a14="http://schemas.microsoft.com/office/drawing/2010/main">
+                <a:solidFill>
+                  <a:srgbClr val="FFFFFF"/>
+                </a:solidFill>
+              </a14:hiddenFill>
+            </a:ext>
+          </a:extLst>
+        </p:spPr>
+      </p:pic>
+      <p:sp>
+        <p:nvSpPr>
+          <p:cNvPr id="23" name="Pentagon 22"/>
+          <p:cNvSpPr/>
+          <p:nvPr/>
+        </p:nvSpPr>
+        <p:spPr>
+          <a:xfrm>
+            <a:off x="4538282" y="2466341"/>
+            <a:ext cx="1429131" cy="1075689"/>
+          </a:xfrm>
+          <a:prstGeom prst="homePlate">
+            <a:avLst/>
+          </a:prstGeom>
+          <a:solidFill>
+            <a:srgbClr val="FFC000"/>
+          </a:solidFill>
+          <a:ln>
+            <a:noFill/>
+          </a:ln>
+        </p:spPr>
+        <p:style>
+          <a:lnRef idx="2">
+            <a:schemeClr val="accent1">
+              <a:shade val="50000"/>
+            </a:schemeClr>
+          </a:lnRef>
+          <a:fillRef idx="1">
+            <a:schemeClr val="accent1"/>
+          </a:fillRef>
+          <a:effectRef idx="0">
+            <a:schemeClr val="accent1"/>
+          </a:effectRef>
+          <a:fontRef idx="minor">
+            <a:schemeClr val="lt1"/>
+          </a:fontRef>
+        </p:style>
+        <p:txBody>
+          <a:bodyPr rtlCol="0" anchor="ctr"/>
+          <a:lstStyle/>
+          <a:p>
+            <a:pPr algn="ctr"/>
+            <a:endParaRPr lang="nl-NL"/>
+          </a:p>
+        </p:txBody>
+      </p:sp>
+      <p:pic>
+        <p:nvPicPr>
+          <p:cNvPr id="24" name="Picture 10" descr="https://svn.apache.org/repos/asf/kafka/site/logos/kafka-logo-tall.png"/>
+          <p:cNvPicPr>
+            <a:picLocks noChangeAspect="1" noChangeArrowheads="1"/>
+          </p:cNvPicPr>
+          <p:nvPr/>
+        </p:nvPicPr>
+        <p:blipFill>
+          <a:blip r:embed="rId6" cstate="print">
+            <a:extLst>
+              <a:ext uri="{28A0092B-C50C-407E-A947-70E740481C1C}">
+                <a14:useLocalDpi xmlns:a14="http://schemas.microsoft.com/office/drawing/2010/main" val="0"/>
+              </a:ext>
+            </a:extLst>
+          </a:blip>
+          <a:srcRect/>
+          <a:stretch>
+            <a:fillRect/>
+          </a:stretch>
+        </p:blipFill>
+        <p:spPr bwMode="auto">
+          <a:xfrm>
+            <a:off x="4619460" y="2473475"/>
+            <a:ext cx="863131" cy="939611"/>
+          </a:xfrm>
+          <a:prstGeom prst="rect">
+            <a:avLst/>
+          </a:prstGeom>
+          <a:noFill/>
+          <a:extLst>
+            <a:ext uri="{909E8E84-426E-40DD-AFC4-6F175D3DCCD1}">
+              <a14:hiddenFill xmlns:a14="http://schemas.microsoft.com/office/drawing/2010/main">
+                <a:solidFill>
+                  <a:srgbClr val="FFFFFF"/>
+                </a:solidFill>
+              </a14:hiddenFill>
+            </a:ext>
+          </a:extLst>
+        </p:spPr>
+      </p:pic>
+      <p:sp>
+        <p:nvSpPr>
+          <p:cNvPr id="25" name="Pentagon 24"/>
+          <p:cNvSpPr/>
+          <p:nvPr/>
+        </p:nvSpPr>
+        <p:spPr>
+          <a:xfrm rot="16200000">
+            <a:off x="8037143" y="4704076"/>
+            <a:ext cx="895000" cy="274009"/>
+          </a:xfrm>
+          <a:prstGeom prst="homePlate">
+            <a:avLst/>
+          </a:prstGeom>
+          <a:solidFill>
+            <a:srgbClr val="FFC000"/>
+          </a:solidFill>
+          <a:ln>
+            <a:noFill/>
+          </a:ln>
+        </p:spPr>
+        <p:style>
+          <a:lnRef idx="2">
+            <a:schemeClr val="accent1">
+              <a:shade val="50000"/>
+            </a:schemeClr>
+          </a:lnRef>
+          <a:fillRef idx="1">
+            <a:schemeClr val="accent1"/>
+          </a:fillRef>
+          <a:effectRef idx="0">
+            <a:schemeClr val="accent1"/>
+          </a:effectRef>
+          <a:fontRef idx="minor">
+            <a:schemeClr val="lt1"/>
+          </a:fontRef>
+        </p:style>
+        <p:txBody>
+          <a:bodyPr rtlCol="0" anchor="ctr"/>
+          <a:lstStyle/>
+          <a:p>
+            <a:pPr algn="ctr"/>
+            <a:endParaRPr lang="nl-NL"/>
+          </a:p>
+        </p:txBody>
+      </p:sp>
+      <p:sp>
+        <p:nvSpPr>
+          <p:cNvPr id="26" name="Pentagon 25"/>
+          <p:cNvSpPr/>
+          <p:nvPr/>
+        </p:nvSpPr>
+        <p:spPr>
+          <a:xfrm>
+            <a:off x="9194537" y="3100365"/>
+            <a:ext cx="816674" cy="173271"/>
+          </a:xfrm>
+          <a:prstGeom prst="homePlate">
+            <a:avLst/>
+          </a:prstGeom>
+          <a:solidFill>
+            <a:srgbClr val="FFC000"/>
+          </a:solidFill>
+          <a:ln>
+            <a:noFill/>
+          </a:ln>
+        </p:spPr>
+        <p:style>
+          <a:lnRef idx="2">
+            <a:schemeClr val="accent1">
+              <a:shade val="50000"/>
+            </a:schemeClr>
+          </a:lnRef>
+          <a:fillRef idx="1">
+            <a:schemeClr val="accent1"/>
+          </a:fillRef>
+          <a:effectRef idx="0">
+            <a:schemeClr val="accent1"/>
+          </a:effectRef>
+          <a:fontRef idx="minor">
+            <a:schemeClr val="lt1"/>
+          </a:fontRef>
+        </p:style>
+        <p:txBody>
+          <a:bodyPr rtlCol="0" anchor="ctr"/>
+          <a:lstStyle/>
+          <a:p>
+            <a:pPr algn="ctr"/>
+            <a:endParaRPr lang="nl-NL"/>
+          </a:p>
+        </p:txBody>
+      </p:sp>
+      <p:sp>
+        <p:nvSpPr>
+          <p:cNvPr id="28" name="Pentagon 27"/>
+          <p:cNvSpPr/>
+          <p:nvPr/>
+        </p:nvSpPr>
+        <p:spPr>
+          <a:xfrm rot="5400000">
+            <a:off x="6225869" y="4704076"/>
+            <a:ext cx="895000" cy="274009"/>
+          </a:xfrm>
+          <a:prstGeom prst="homePlate">
+            <a:avLst/>
+          </a:prstGeom>
+          <a:solidFill>
+            <a:srgbClr val="FFC000"/>
+          </a:solidFill>
+          <a:ln>
+            <a:noFill/>
+          </a:ln>
+        </p:spPr>
+        <p:style>
+          <a:lnRef idx="2">
+            <a:schemeClr val="accent1">
+              <a:shade val="50000"/>
+            </a:schemeClr>
+          </a:lnRef>
+          <a:fillRef idx="1">
+            <a:schemeClr val="accent1"/>
+          </a:fillRef>
+          <a:effectRef idx="0">
+            <a:schemeClr val="accent1"/>
+          </a:effectRef>
+          <a:fontRef idx="minor">
+            <a:schemeClr val="lt1"/>
+          </a:fontRef>
+        </p:style>
+        <p:txBody>
+          <a:bodyPr rtlCol="0" anchor="ctr"/>
+          <a:lstStyle/>
+          <a:p>
+            <a:pPr algn="ctr"/>
+            <a:endParaRPr lang="nl-NL"/>
+          </a:p>
+        </p:txBody>
+      </p:sp>
+    </p:spTree>
+    <p:extLst>
+      <p:ext uri="{BB962C8B-B14F-4D97-AF65-F5344CB8AC3E}">
+        <p14:creationId xmlns:p14="http://schemas.microsoft.com/office/powerpoint/2010/main" val="3787433261"/>
+      </p:ext>
+    </p:extLst>
+  </p:cSld>
+  <p:clrMapOvr>
+    <a:masterClrMapping/>
+  </p:clrMapOvr>
+</p:sld>
+</file>
+
+<file path=ppt/slides/slide7.xml><?xml version="1.0" encoding="utf-8"?>
+<p:sld xmlns:a="http://schemas.openxmlformats.org/drawingml/2006/main" xmlns:r="http://schemas.openxmlformats.org/officeDocument/2006/relationships" xmlns:p="http://schemas.openxmlformats.org/presentationml/2006/main">
+  <p:cSld>
+    <p:spTree>
+      <p:nvGrpSpPr>
+        <p:cNvPr id="1" name=""/>
+        <p:cNvGrpSpPr/>
+        <p:nvPr/>
+      </p:nvGrpSpPr>
+      <p:grpSpPr>
+        <a:xfrm>
+          <a:off x="0" y="0"/>
+          <a:ext cx="0" cy="0"/>
+          <a:chOff x="0" y="0"/>
+          <a:chExt cx="0" cy="0"/>
+        </a:xfrm>
+      </p:grpSpPr>
+      <p:sp>
+        <p:nvSpPr>
+          <p:cNvPr id="2" name="Title 1"/>
+          <p:cNvSpPr>
+            <a:spLocks noGrp="1"/>
+          </p:cNvSpPr>
+          <p:nvPr>
+            <p:ph type="title"/>
+          </p:nvPr>
+        </p:nvSpPr>
+        <p:spPr/>
+        <p:txBody>
+          <a:bodyPr/>
+          <a:lstStyle/>
+          <a:p>
+            <a:r>
+              <a:rPr lang="nl-NL" dirty="0" err="1"/>
+              <a:t>So</a:t>
+            </a:r>
+            <a:r>
+              <a:rPr lang="nl-NL" dirty="0"/>
+              <a:t>, </a:t>
+            </a:r>
+            <a:r>
+              <a:rPr lang="nl-NL" dirty="0" err="1"/>
+              <a:t>what</a:t>
+            </a:r>
+            <a:r>
+              <a:rPr lang="nl-NL" dirty="0"/>
+              <a:t> do we </a:t>
+            </a:r>
+            <a:r>
+              <a:rPr lang="nl-NL" dirty="0" err="1"/>
+              <a:t>give</a:t>
+            </a:r>
+            <a:r>
+              <a:rPr lang="nl-NL" dirty="0"/>
+              <a:t> </a:t>
+            </a:r>
+            <a:r>
+              <a:rPr lang="nl-NL" dirty="0" err="1"/>
+              <a:t>to</a:t>
+            </a:r>
+            <a:r>
+              <a:rPr lang="nl-NL" dirty="0"/>
+              <a:t> </a:t>
+            </a:r>
+            <a:r>
+              <a:rPr lang="nl-NL" dirty="0" err="1"/>
+              <a:t>our</a:t>
+            </a:r>
+            <a:r>
+              <a:rPr lang="nl-NL" dirty="0"/>
+              <a:t> </a:t>
             </a:r>
             <a:r>
               <a:rPr lang="nl-NL" dirty="0" err="1"/>
@@ -4061,7 +5837,7 @@
             </a:r>
             <a:r>
               <a:rPr lang="nl-NL" dirty="0"/>
-              <a:t> want?</a:t>
+              <a:t>?</a:t>
             </a:r>
           </a:p>
         </p:txBody>
